--- a/ProposalPresentation_DataMining.pptx
+++ b/ProposalPresentation_DataMining.pptx
@@ -279,7 +279,7 @@
           <a:p>
             <a:fld id="{73B2889B-A0AC-4482-8592-5C96F2309420}" type="datetimeFigureOut">
               <a:rPr lang="en-US" smtClean="0"/>
-              <a:t>10/8/2021</a:t>
+              <a:t>10/11/2021</a:t>
             </a:fld>
             <a:endParaRPr lang="en-US"/>
           </a:p>
@@ -456,7 +456,7 @@
           <a:p>
             <a:fld id="{830EB223-FFC0-462A-A3B8-EAA7CE0F8CBD}" type="datetimeFigureOut">
               <a:rPr lang="en-US" smtClean="0"/>
-              <a:t>10/8/2021</a:t>
+              <a:t>10/11/2021</a:t>
             </a:fld>
             <a:endParaRPr lang="en-US" dirty="0"/>
           </a:p>
@@ -1692,7 +1692,7 @@
           <a:p>
             <a:fld id="{DECF21A4-E71B-4D3A-AF45-E989C23A7BB1}" type="datetimeFigureOut">
               <a:rPr lang="en-US" smtClean="0"/>
-              <a:t>10/8/2021</a:t>
+              <a:t>10/11/2021</a:t>
             </a:fld>
             <a:endParaRPr lang="en-US" dirty="0"/>
           </a:p>
@@ -1890,7 +1890,7 @@
           <a:p>
             <a:fld id="{DECF21A4-E71B-4D3A-AF45-E989C23A7BB1}" type="datetimeFigureOut">
               <a:rPr lang="en-US" smtClean="0"/>
-              <a:t>10/8/2021</a:t>
+              <a:t>10/11/2021</a:t>
             </a:fld>
             <a:endParaRPr lang="en-US" dirty="0"/>
           </a:p>
@@ -2098,7 +2098,7 @@
           <a:p>
             <a:fld id="{DECF21A4-E71B-4D3A-AF45-E989C23A7BB1}" type="datetimeFigureOut">
               <a:rPr lang="en-US" smtClean="0"/>
-              <a:t>10/8/2021</a:t>
+              <a:t>10/11/2021</a:t>
             </a:fld>
             <a:endParaRPr lang="en-US" dirty="0"/>
           </a:p>
@@ -2296,7 +2296,7 @@
           <a:p>
             <a:fld id="{DECF21A4-E71B-4D3A-AF45-E989C23A7BB1}" type="datetimeFigureOut">
               <a:rPr lang="en-US" smtClean="0"/>
-              <a:t>10/8/2021</a:t>
+              <a:t>10/11/2021</a:t>
             </a:fld>
             <a:endParaRPr lang="en-US" dirty="0"/>
           </a:p>
@@ -2571,7 +2571,7 @@
           <a:p>
             <a:fld id="{DECF21A4-E71B-4D3A-AF45-E989C23A7BB1}" type="datetimeFigureOut">
               <a:rPr lang="en-US" smtClean="0"/>
-              <a:t>10/8/2021</a:t>
+              <a:t>10/11/2021</a:t>
             </a:fld>
             <a:endParaRPr lang="en-US" dirty="0"/>
           </a:p>
@@ -2836,7 +2836,7 @@
           <a:p>
             <a:fld id="{DECF21A4-E71B-4D3A-AF45-E989C23A7BB1}" type="datetimeFigureOut">
               <a:rPr lang="en-US" smtClean="0"/>
-              <a:t>10/8/2021</a:t>
+              <a:t>10/11/2021</a:t>
             </a:fld>
             <a:endParaRPr lang="en-US" dirty="0"/>
           </a:p>
@@ -3248,7 +3248,7 @@
           <a:p>
             <a:fld id="{DECF21A4-E71B-4D3A-AF45-E989C23A7BB1}" type="datetimeFigureOut">
               <a:rPr lang="en-US" smtClean="0"/>
-              <a:t>10/8/2021</a:t>
+              <a:t>10/11/2021</a:t>
             </a:fld>
             <a:endParaRPr lang="en-US" dirty="0"/>
           </a:p>
@@ -3389,7 +3389,7 @@
           <a:p>
             <a:fld id="{DECF21A4-E71B-4D3A-AF45-E989C23A7BB1}" type="datetimeFigureOut">
               <a:rPr lang="en-US" smtClean="0"/>
-              <a:t>10/8/2021</a:t>
+              <a:t>10/11/2021</a:t>
             </a:fld>
             <a:endParaRPr lang="en-US" dirty="0"/>
           </a:p>
@@ -3502,7 +3502,7 @@
           <a:p>
             <a:fld id="{DECF21A4-E71B-4D3A-AF45-E989C23A7BB1}" type="datetimeFigureOut">
               <a:rPr lang="en-US" smtClean="0"/>
-              <a:t>10/8/2021</a:t>
+              <a:t>10/11/2021</a:t>
             </a:fld>
             <a:endParaRPr lang="en-US" dirty="0"/>
           </a:p>
@@ -3813,7 +3813,7 @@
           <a:p>
             <a:fld id="{DECF21A4-E71B-4D3A-AF45-E989C23A7BB1}" type="datetimeFigureOut">
               <a:rPr lang="en-US" smtClean="0"/>
-              <a:t>10/8/2021</a:t>
+              <a:t>10/11/2021</a:t>
             </a:fld>
             <a:endParaRPr lang="en-US" dirty="0"/>
           </a:p>
@@ -4105,7 +4105,7 @@
           <a:p>
             <a:fld id="{DECF21A4-E71B-4D3A-AF45-E989C23A7BB1}" type="datetimeFigureOut">
               <a:rPr lang="en-US" smtClean="0"/>
-              <a:t>10/8/2021</a:t>
+              <a:t>10/11/2021</a:t>
             </a:fld>
             <a:endParaRPr lang="en-US" dirty="0"/>
           </a:p>
@@ -4346,7 +4346,7 @@
           <a:p>
             <a:fld id="{DECF21A4-E71B-4D3A-AF45-E989C23A7BB1}" type="datetimeFigureOut">
               <a:rPr lang="en-US" smtClean="0"/>
-              <a:t>10/8/2021</a:t>
+              <a:t>10/11/2021</a:t>
             </a:fld>
             <a:endParaRPr lang="en-US" dirty="0"/>
           </a:p>
@@ -7019,7 +7019,7 @@
             </a:r>
           </a:p>
           <a:p>
-            <a:pPr>
+            <a:pPr algn="just">
               <a:lnSpc>
                 <a:spcPct val="90000"/>
               </a:lnSpc>
@@ -9607,23 +9607,6 @@
 </file>
 
 <file path=customXml/item1.xml><?xml version="1.0" encoding="utf-8"?>
-<?mso-contentType ?>
-<FormTemplates xmlns="http://schemas.microsoft.com/sharepoint/v3/contenttype/forms">
-  <Display>DocumentLibraryForm</Display>
-  <Edit>DocumentLibraryForm</Edit>
-  <New>DocumentLibraryForm</New>
-</FormTemplates>
-</file>
-
-<file path=customXml/item2.xml><?xml version="1.0" encoding="utf-8"?>
-<p:properties xmlns:p="http://schemas.microsoft.com/office/2006/metadata/properties" xmlns:xsi="http://www.w3.org/2001/XMLSchema-instance" xmlns:pc="http://schemas.microsoft.com/office/infopath/2007/PartnerControls">
-  <documentManagement>
-    <MediaServiceKeyPoints xmlns="71af3243-3dd4-4a8d-8c0d-dd76da1f02a5" xsi:nil="true"/>
-  </documentManagement>
-</p:properties>
-</file>
-
-<file path=customXml/item3.xml><?xml version="1.0" encoding="utf-8"?>
 <ct:contentTypeSchema xmlns:ct="http://schemas.microsoft.com/office/2006/metadata/contentType" xmlns:ma="http://schemas.microsoft.com/office/2006/metadata/properties/metaAttributes" ct:_="" ma:_="" ma:contentTypeName="Document" ma:contentTypeID="0x01010079F111ED35F8CC479449609E8A0923A6" ma:contentTypeVersion="11" ma:contentTypeDescription="Create a new document." ma:contentTypeScope="" ma:versionID="96291512c1ee715ab617f4c07df79fc1">
   <xsd:schema xmlns:xsd="http://www.w3.org/2001/XMLSchema" xmlns:xs="http://www.w3.org/2001/XMLSchema" xmlns:p="http://schemas.microsoft.com/office/2006/metadata/properties" xmlns:ns2="71af3243-3dd4-4a8d-8c0d-dd76da1f02a5" xmlns:ns3="16c05727-aa75-4e4a-9b5f-8a80a1165891" targetNamespace="http://schemas.microsoft.com/office/2006/metadata/properties" ma:root="true" ma:fieldsID="8256c27c40ca5c40ce1cf6c44f0205df" ns2:_="" ns3:_="">
     <xsd:import namespace="71af3243-3dd4-4a8d-8c0d-dd76da1f02a5"/>
@@ -9834,25 +9817,24 @@
 </ct:contentTypeSchema>
 </file>
 
-<file path=customXml/itemProps1.xml><?xml version="1.0" encoding="utf-8"?>
-<ds:datastoreItem xmlns:ds="http://schemas.openxmlformats.org/officeDocument/2006/customXml" ds:itemID="{5CA875DA-F9FD-4F83-A049-3B1027B542DE}">
-  <ds:schemaRefs>
-    <ds:schemaRef ds:uri="http://schemas.microsoft.com/sharepoint/v3/contenttype/forms"/>
-  </ds:schemaRefs>
-</ds:datastoreItem>
+<file path=customXml/item2.xml><?xml version="1.0" encoding="utf-8"?>
+<p:properties xmlns:p="http://schemas.microsoft.com/office/2006/metadata/properties" xmlns:xsi="http://www.w3.org/2001/XMLSchema-instance" xmlns:pc="http://schemas.microsoft.com/office/infopath/2007/PartnerControls">
+  <documentManagement>
+    <MediaServiceKeyPoints xmlns="71af3243-3dd4-4a8d-8c0d-dd76da1f02a5" xsi:nil="true"/>
+  </documentManagement>
+</p:properties>
 </file>
 
-<file path=customXml/itemProps2.xml><?xml version="1.0" encoding="utf-8"?>
-<ds:datastoreItem xmlns:ds="http://schemas.openxmlformats.org/officeDocument/2006/customXml" ds:itemID="{03C7D9E6-B0D9-433E-BD46-EB60F64F4DA8}">
-  <ds:schemaRefs>
-    <ds:schemaRef ds:uri="http://schemas.microsoft.com/office/2006/metadata/properties"/>
-    <ds:schemaRef ds:uri="http://schemas.microsoft.com/office/infopath/2007/PartnerControls"/>
-    <ds:schemaRef ds:uri="71af3243-3dd4-4a8d-8c0d-dd76da1f02a5"/>
-  </ds:schemaRefs>
-</ds:datastoreItem>
+<file path=customXml/item3.xml><?xml version="1.0" encoding="utf-8"?>
+<?mso-contentType ?>
+<FormTemplates xmlns="http://schemas.microsoft.com/sharepoint/v3/contenttype/forms">
+  <Display>DocumentLibraryForm</Display>
+  <Edit>DocumentLibraryForm</Edit>
+  <New>DocumentLibraryForm</New>
+</FormTemplates>
 </file>
 
-<file path=customXml/itemProps3.xml><?xml version="1.0" encoding="utf-8"?>
+<file path=customXml/itemProps1.xml><?xml version="1.0" encoding="utf-8"?>
 <ds:datastoreItem xmlns:ds="http://schemas.openxmlformats.org/officeDocument/2006/customXml" ds:itemID="{B2AB02E3-5ADF-4BF0-9C1B-35CDF3FE95B0}">
   <ds:schemaRefs>
     <ds:schemaRef ds:uri="http://schemas.microsoft.com/office/2006/metadata/contentType"/>
@@ -9869,4 +9851,22 @@
     <ds:schemaRef ds:uri="http://schemas.microsoft.com/internal/obd"/>
   </ds:schemaRefs>
 </ds:datastoreItem>
+</file>
+
+<file path=customXml/itemProps2.xml><?xml version="1.0" encoding="utf-8"?>
+<ds:datastoreItem xmlns:ds="http://schemas.openxmlformats.org/officeDocument/2006/customXml" ds:itemID="{03C7D9E6-B0D9-433E-BD46-EB60F64F4DA8}">
+  <ds:schemaRefs>
+    <ds:schemaRef ds:uri="http://schemas.microsoft.com/office/2006/metadata/properties"/>
+    <ds:schemaRef ds:uri="http://schemas.microsoft.com/office/infopath/2007/PartnerControls"/>
+    <ds:schemaRef ds:uri="71af3243-3dd4-4a8d-8c0d-dd76da1f02a5"/>
+  </ds:schemaRefs>
+</ds:datastoreItem>
+</file>
+
+<file path=customXml/itemProps3.xml><?xml version="1.0" encoding="utf-8"?>
+<ds:datastoreItem xmlns:ds="http://schemas.openxmlformats.org/officeDocument/2006/customXml" ds:itemID="{5CA875DA-F9FD-4F83-A049-3B1027B542DE}">
+  <ds:schemaRefs>
+    <ds:schemaRef ds:uri="http://schemas.microsoft.com/sharepoint/v3/contenttype/forms"/>
+  </ds:schemaRefs>
+</ds:datastoreItem>
 </file>